--- a/AWS/DeploymentStrategies.pptx
+++ b/AWS/DeploymentStrategies.pptx
@@ -11,11 +11,11 @@
     <p:sldId id="257" r:id="rId2"/>
     <p:sldId id="262" r:id="rId3"/>
     <p:sldId id="322" r:id="rId4"/>
-    <p:sldId id="339" r:id="rId5"/>
-    <p:sldId id="264" r:id="rId6"/>
-    <p:sldId id="337" r:id="rId7"/>
-    <p:sldId id="338" r:id="rId8"/>
-    <p:sldId id="340" r:id="rId9"/>
+    <p:sldId id="340" r:id="rId5"/>
+    <p:sldId id="339" r:id="rId6"/>
+    <p:sldId id="264" r:id="rId7"/>
+    <p:sldId id="337" r:id="rId8"/>
+    <p:sldId id="338" r:id="rId9"/>
   </p:sldIdLst>
   <p:sldSz cx="12192000" cy="6858000"/>
   <p:notesSz cx="6858000" cy="9144000"/>
@@ -857,7 +857,7 @@
           <a:p>
             <a:fld id="{CA111B5C-0485-4D3A-8470-D55704130FA2}" type="slidenum">
               <a:rPr lang="en-IN" smtClean="0"/>
-              <a:t>4</a:t>
+              <a:t>5</a:t>
             </a:fld>
             <a:endParaRPr lang="en-IN"/>
           </a:p>
@@ -5652,7 +5652,7 @@
             </a:pPr>
             <a:r>
               <a:rPr lang="en-US" sz="1400" dirty="0"/>
-              <a:t>Modify running servers/containers directly</a:t>
+              <a:t>Modify running applications/containers directly</a:t>
             </a:r>
           </a:p>
           <a:p>
@@ -5988,6 +5988,407 @@
 </file>
 
 <file path=ppt/slides/slide4.xml><?xml version="1.0" encoding="utf-8"?>
+<p:sld xmlns:a="http://schemas.openxmlformats.org/drawingml/2006/main" xmlns:r="http://schemas.openxmlformats.org/officeDocument/2006/relationships" xmlns:p="http://schemas.openxmlformats.org/presentationml/2006/main">
+  <p:cSld>
+    <p:spTree>
+      <p:nvGrpSpPr>
+        <p:cNvPr id="1" name="">
+          <a:extLst>
+            <a:ext uri="{FF2B5EF4-FFF2-40B4-BE49-F238E27FC236}">
+              <a16:creationId xmlns:a16="http://schemas.microsoft.com/office/drawing/2014/main" id="{A55ACDFA-305B-7ECB-4828-B48FE07A8CB9}"/>
+            </a:ext>
+          </a:extLst>
+        </p:cNvPr>
+        <p:cNvGrpSpPr/>
+        <p:nvPr/>
+      </p:nvGrpSpPr>
+      <p:grpSpPr>
+        <a:xfrm>
+          <a:off x="0" y="0"/>
+          <a:ext cx="0" cy="0"/>
+          <a:chOff x="0" y="0"/>
+          <a:chExt cx="0" cy="0"/>
+        </a:xfrm>
+      </p:grpSpPr>
+      <p:sp>
+        <p:nvSpPr>
+          <p:cNvPr id="2" name="TextBox 1">
+            <a:extLst>
+              <a:ext uri="{FF2B5EF4-FFF2-40B4-BE49-F238E27FC236}">
+                <a16:creationId xmlns:a16="http://schemas.microsoft.com/office/drawing/2014/main" id="{6F74869C-023D-0F34-2524-DABB293EBD4A}"/>
+              </a:ext>
+            </a:extLst>
+          </p:cNvPr>
+          <p:cNvSpPr txBox="1"/>
+          <p:nvPr/>
+        </p:nvSpPr>
+        <p:spPr>
+          <a:xfrm>
+            <a:off x="457201" y="274321"/>
+            <a:ext cx="10308770" cy="646331"/>
+          </a:xfrm>
+          <a:prstGeom prst="rect">
+            <a:avLst/>
+          </a:prstGeom>
+          <a:noFill/>
+        </p:spPr>
+        <p:txBody>
+          <a:bodyPr wrap="square">
+            <a:spAutoFit/>
+          </a:bodyPr>
+          <a:lstStyle/>
+          <a:p>
+            <a:pPr>
+              <a:defRPr sz="3600" b="1">
+                <a:solidFill>
+                  <a:srgbClr val="232F3E"/>
+                </a:solidFill>
+              </a:defRPr>
+            </a:pPr>
+            <a:r>
+              <a:rPr lang="en-US" sz="3600" b="1" dirty="0"/>
+              <a:t>In-Place Deployments</a:t>
+            </a:r>
+            <a:endParaRPr lang="en-IN" sz="3600" dirty="0"/>
+          </a:p>
+        </p:txBody>
+      </p:sp>
+      <p:sp>
+        <p:nvSpPr>
+          <p:cNvPr id="4" name="TextBox 3">
+            <a:extLst>
+              <a:ext uri="{FF2B5EF4-FFF2-40B4-BE49-F238E27FC236}">
+                <a16:creationId xmlns:a16="http://schemas.microsoft.com/office/drawing/2014/main" id="{9C4552FE-DA40-E74F-E4EA-B3BBEEA0A3E1}"/>
+              </a:ext>
+            </a:extLst>
+          </p:cNvPr>
+          <p:cNvSpPr txBox="1"/>
+          <p:nvPr/>
+        </p:nvSpPr>
+        <p:spPr>
+          <a:xfrm>
+            <a:off x="644646" y="1360712"/>
+            <a:ext cx="5320724" cy="5201424"/>
+          </a:xfrm>
+          <a:prstGeom prst="rect">
+            <a:avLst/>
+          </a:prstGeom>
+          <a:noFill/>
+        </p:spPr>
+        <p:txBody>
+          <a:bodyPr wrap="square">
+            <a:spAutoFit/>
+          </a:bodyPr>
+          <a:lstStyle/>
+          <a:p>
+            <a:pPr>
+              <a:spcBef>
+                <a:spcPts val="600"/>
+              </a:spcBef>
+            </a:pPr>
+            <a:r>
+              <a:rPr lang="en-US" sz="1400" b="1" dirty="0"/>
+              <a:t>Concept:</a:t>
+            </a:r>
+            <a:r>
+              <a:rPr lang="en-US" sz="1400" dirty="0"/>
+              <a:t> Add new version and then Restart application on existing infrastructure without replacing instances</a:t>
+            </a:r>
+          </a:p>
+          <a:p>
+            <a:pPr>
+              <a:spcBef>
+                <a:spcPts val="600"/>
+              </a:spcBef>
+            </a:pPr>
+            <a:endParaRPr lang="en-US" sz="1400" dirty="0"/>
+          </a:p>
+          <a:p>
+            <a:pPr>
+              <a:spcBef>
+                <a:spcPts val="600"/>
+              </a:spcBef>
+            </a:pPr>
+            <a:r>
+              <a:rPr lang="en-US" sz="1400" b="1" dirty="0"/>
+              <a:t>How it works:</a:t>
+            </a:r>
+            <a:endParaRPr lang="en-US" sz="1400" dirty="0"/>
+          </a:p>
+          <a:p>
+            <a:pPr marL="342900" indent="-342900">
+              <a:spcBef>
+                <a:spcPts val="600"/>
+              </a:spcBef>
+              <a:buFont typeface="+mj-lt"/>
+              <a:buAutoNum type="arabicPeriod"/>
+            </a:pPr>
+            <a:r>
+              <a:rPr lang="en-US" sz="1400" dirty="0"/>
+              <a:t>Pull new code/ binary to existing server</a:t>
+            </a:r>
+          </a:p>
+          <a:p>
+            <a:pPr marL="342900" indent="-342900">
+              <a:spcBef>
+                <a:spcPts val="600"/>
+              </a:spcBef>
+              <a:buFont typeface="+mj-lt"/>
+              <a:buAutoNum type="arabicPeriod"/>
+            </a:pPr>
+            <a:r>
+              <a:rPr lang="en-US" sz="1400" dirty="0"/>
+              <a:t>Restart application process</a:t>
+            </a:r>
+          </a:p>
+          <a:p>
+            <a:pPr marL="342900" indent="-342900">
+              <a:spcBef>
+                <a:spcPts val="600"/>
+              </a:spcBef>
+              <a:buFont typeface="+mj-lt"/>
+              <a:buAutoNum type="arabicPeriod"/>
+            </a:pPr>
+            <a:r>
+              <a:rPr lang="en-US" sz="1400" dirty="0"/>
+              <a:t>Same server continues running</a:t>
+            </a:r>
+          </a:p>
+          <a:p>
+            <a:pPr>
+              <a:spcBef>
+                <a:spcPts val="600"/>
+              </a:spcBef>
+            </a:pPr>
+            <a:endParaRPr lang="en-US" sz="1400" b="1" dirty="0"/>
+          </a:p>
+          <a:p>
+            <a:pPr>
+              <a:spcBef>
+                <a:spcPts val="600"/>
+              </a:spcBef>
+            </a:pPr>
+            <a:r>
+              <a:rPr lang="en-US" sz="1400" b="1" dirty="0"/>
+              <a:t>Pros:</a:t>
+            </a:r>
+            <a:endParaRPr lang="en-US" sz="1400" dirty="0"/>
+          </a:p>
+          <a:p>
+            <a:pPr marL="285750" indent="-285750">
+              <a:spcBef>
+                <a:spcPts val="600"/>
+              </a:spcBef>
+              <a:buFont typeface="Arial" panose="020B0604020202020204" pitchFamily="34" charset="0"/>
+              <a:buChar char="•"/>
+            </a:pPr>
+            <a:r>
+              <a:rPr lang="en-US" sz="1400" dirty="0"/>
+              <a:t>Fastest deployment</a:t>
+            </a:r>
+          </a:p>
+          <a:p>
+            <a:pPr marL="285750" indent="-285750">
+              <a:spcBef>
+                <a:spcPts val="600"/>
+              </a:spcBef>
+              <a:buFont typeface="Arial" panose="020B0604020202020204" pitchFamily="34" charset="0"/>
+              <a:buChar char="•"/>
+            </a:pPr>
+            <a:r>
+              <a:rPr lang="en-US" sz="1400" dirty="0"/>
+              <a:t>No new resources needed</a:t>
+            </a:r>
+          </a:p>
+          <a:p>
+            <a:pPr marL="285750" indent="-285750">
+              <a:spcBef>
+                <a:spcPts val="600"/>
+              </a:spcBef>
+              <a:buFont typeface="Arial" panose="020B0604020202020204" pitchFamily="34" charset="0"/>
+              <a:buChar char="•"/>
+            </a:pPr>
+            <a:r>
+              <a:rPr lang="en-US" sz="1400" dirty="0"/>
+              <a:t>Minimal infrastructure changes</a:t>
+            </a:r>
+          </a:p>
+          <a:p>
+            <a:pPr>
+              <a:spcBef>
+                <a:spcPts val="600"/>
+              </a:spcBef>
+            </a:pPr>
+            <a:endParaRPr lang="en-US" sz="1400" b="1" dirty="0"/>
+          </a:p>
+          <a:p>
+            <a:pPr>
+              <a:spcBef>
+                <a:spcPts val="600"/>
+              </a:spcBef>
+            </a:pPr>
+            <a:r>
+              <a:rPr lang="en-US" sz="1400" b="1" dirty="0"/>
+              <a:t>Cons:</a:t>
+            </a:r>
+            <a:endParaRPr lang="en-US" sz="1400" dirty="0"/>
+          </a:p>
+          <a:p>
+            <a:pPr marL="285750" indent="-285750">
+              <a:spcBef>
+                <a:spcPts val="600"/>
+              </a:spcBef>
+              <a:buFont typeface="Arial" panose="020B0604020202020204" pitchFamily="34" charset="0"/>
+              <a:buChar char="•"/>
+            </a:pPr>
+            <a:r>
+              <a:rPr lang="en-US" sz="1400" dirty="0"/>
+              <a:t>HIGH RISK - difficult rollback</a:t>
+            </a:r>
+          </a:p>
+          <a:p>
+            <a:pPr marL="285750" indent="-285750">
+              <a:spcBef>
+                <a:spcPts val="600"/>
+              </a:spcBef>
+              <a:buFont typeface="Arial" panose="020B0604020202020204" pitchFamily="34" charset="0"/>
+              <a:buChar char="•"/>
+            </a:pPr>
+            <a:r>
+              <a:rPr lang="en-US" sz="1400" dirty="0"/>
+              <a:t>Configuration drift accumulates</a:t>
+            </a:r>
+          </a:p>
+          <a:p>
+            <a:pPr marL="285750" indent="-285750">
+              <a:spcBef>
+                <a:spcPts val="600"/>
+              </a:spcBef>
+              <a:buFont typeface="Arial" panose="020B0604020202020204" pitchFamily="34" charset="0"/>
+              <a:buChar char="•"/>
+            </a:pPr>
+            <a:r>
+              <a:rPr lang="en-US" sz="1400" dirty="0"/>
+              <a:t>Application downtime during restart</a:t>
+            </a:r>
+          </a:p>
+          <a:p>
+            <a:pPr marL="285750" indent="-285750">
+              <a:spcBef>
+                <a:spcPts val="600"/>
+              </a:spcBef>
+              <a:buFont typeface="Arial" panose="020B0604020202020204" pitchFamily="34" charset="0"/>
+              <a:buChar char="•"/>
+            </a:pPr>
+            <a:r>
+              <a:rPr lang="en-US" sz="1400" dirty="0"/>
+              <a:t>All instances affected simultaneously</a:t>
+            </a:r>
+          </a:p>
+        </p:txBody>
+      </p:sp>
+      <p:sp>
+        <p:nvSpPr>
+          <p:cNvPr id="3" name="TextBox 2">
+            <a:extLst>
+              <a:ext uri="{FF2B5EF4-FFF2-40B4-BE49-F238E27FC236}">
+                <a16:creationId xmlns:a16="http://schemas.microsoft.com/office/drawing/2014/main" id="{E6EFF91B-A4F9-CFBE-5E31-F35B6D945AFC}"/>
+              </a:ext>
+            </a:extLst>
+          </p:cNvPr>
+          <p:cNvSpPr txBox="1"/>
+          <p:nvPr/>
+        </p:nvSpPr>
+        <p:spPr>
+          <a:xfrm>
+            <a:off x="6096000" y="1295399"/>
+            <a:ext cx="5636411" cy="1184940"/>
+          </a:xfrm>
+          <a:prstGeom prst="rect">
+            <a:avLst/>
+          </a:prstGeom>
+          <a:noFill/>
+        </p:spPr>
+        <p:txBody>
+          <a:bodyPr wrap="square" rtlCol="0">
+            <a:spAutoFit/>
+          </a:bodyPr>
+          <a:lstStyle/>
+          <a:p>
+            <a:pPr>
+              <a:spcBef>
+                <a:spcPts val="600"/>
+              </a:spcBef>
+            </a:pPr>
+            <a:r>
+              <a:rPr lang="en-US" sz="1400" b="1" dirty="0"/>
+              <a:t>Implementation:</a:t>
+            </a:r>
+            <a:endParaRPr lang="en-US" sz="1400" dirty="0"/>
+          </a:p>
+          <a:p>
+            <a:pPr marL="285750" indent="-285750">
+              <a:spcBef>
+                <a:spcPts val="600"/>
+              </a:spcBef>
+              <a:buFont typeface="Arial" panose="020B0604020202020204" pitchFamily="34" charset="0"/>
+              <a:buChar char="•"/>
+            </a:pPr>
+            <a:r>
+              <a:rPr lang="en-US" sz="1400" dirty="0"/>
+              <a:t>Download new code via git pull</a:t>
+            </a:r>
+          </a:p>
+          <a:p>
+            <a:pPr marL="285750" indent="-285750">
+              <a:spcBef>
+                <a:spcPts val="600"/>
+              </a:spcBef>
+              <a:buFont typeface="Arial" panose="020B0604020202020204" pitchFamily="34" charset="0"/>
+              <a:buChar char="•"/>
+            </a:pPr>
+            <a:r>
+              <a:rPr lang="en-US" sz="1400" dirty="0"/>
+              <a:t>Restart application (</a:t>
+            </a:r>
+            <a:r>
+              <a:rPr lang="en-US" sz="1400" dirty="0" err="1"/>
+              <a:t>systemctl</a:t>
+            </a:r>
+            <a:r>
+              <a:rPr lang="en-US" sz="1400" dirty="0"/>
+              <a:t> restart app)</a:t>
+            </a:r>
+          </a:p>
+          <a:p>
+            <a:pPr marL="285750" indent="-285750">
+              <a:spcBef>
+                <a:spcPts val="600"/>
+              </a:spcBef>
+              <a:buFont typeface="Arial" panose="020B0604020202020204" pitchFamily="34" charset="0"/>
+              <a:buChar char="•"/>
+            </a:pPr>
+            <a:r>
+              <a:rPr lang="en-US" sz="1400" dirty="0"/>
+              <a:t>Update running containers (docker restart)</a:t>
+            </a:r>
+          </a:p>
+        </p:txBody>
+      </p:sp>
+    </p:spTree>
+    <p:extLst>
+      <p:ext uri="{BB962C8B-B14F-4D97-AF65-F5344CB8AC3E}">
+        <p14:creationId xmlns:p14="http://schemas.microsoft.com/office/powerpoint/2010/main" val="3474312855"/>
+      </p:ext>
+    </p:extLst>
+  </p:cSld>
+  <p:clrMapOvr>
+    <a:masterClrMapping/>
+  </p:clrMapOvr>
+</p:sld>
+</file>
+
+<file path=ppt/slides/slide5.xml><?xml version="1.0" encoding="utf-8"?>
 <p:sld xmlns:a="http://schemas.openxmlformats.org/drawingml/2006/main" xmlns:r="http://schemas.openxmlformats.org/officeDocument/2006/relationships" xmlns:p="http://schemas.openxmlformats.org/presentationml/2006/main">
   <p:cSld>
     <p:spTree>
@@ -6325,7 +6726,7 @@
             </a:pPr>
             <a:r>
               <a:rPr lang="en-US" sz="1200" b="1" dirty="0"/>
-              <a:t>Implementation:</a:t>
+              <a:t>Implementations:</a:t>
             </a:r>
             <a:endParaRPr lang="en-US" sz="1200" dirty="0"/>
           </a:p>
@@ -6583,7 +6984,7 @@
 </p:sld>
 </file>
 
-<file path=ppt/slides/slide5.xml><?xml version="1.0" encoding="utf-8"?>
+<file path=ppt/slides/slide6.xml><?xml version="1.0" encoding="utf-8"?>
 <p:sld xmlns:a="http://schemas.openxmlformats.org/drawingml/2006/main" xmlns:r="http://schemas.openxmlformats.org/officeDocument/2006/relationships" xmlns:p="http://schemas.openxmlformats.org/presentationml/2006/main">
   <p:cSld>
     <p:spTree>
@@ -6915,7 +7316,7 @@
             </a:pPr>
             <a:r>
               <a:rPr lang="en-US" sz="1400" b="1" dirty="0"/>
-              <a:t>Implementation:</a:t>
+              <a:t>Implementations:</a:t>
             </a:r>
           </a:p>
           <a:p>
@@ -7138,7 +7539,7 @@
 </p:sld>
 </file>
 
-<file path=ppt/slides/slide6.xml><?xml version="1.0" encoding="utf-8"?>
+<file path=ppt/slides/slide7.xml><?xml version="1.0" encoding="utf-8"?>
 <p:sld xmlns:a="http://schemas.openxmlformats.org/drawingml/2006/main" xmlns:r="http://schemas.openxmlformats.org/officeDocument/2006/relationships" xmlns:p="http://schemas.openxmlformats.org/presentationml/2006/main">
   <p:cSld>
     <p:spTree>
@@ -7702,7 +8103,7 @@
 </p:sld>
 </file>
 
-<file path=ppt/slides/slide7.xml><?xml version="1.0" encoding="utf-8"?>
+<file path=ppt/slides/slide8.xml><?xml version="1.0" encoding="utf-8"?>
 <p:sld xmlns:a="http://schemas.openxmlformats.org/drawingml/2006/main" xmlns:r="http://schemas.openxmlformats.org/officeDocument/2006/relationships" xmlns:p="http://schemas.openxmlformats.org/presentationml/2006/main">
   <p:cSld>
     <p:spTree>
@@ -8224,407 +8625,6 @@
     <p:extLst>
       <p:ext uri="{BB962C8B-B14F-4D97-AF65-F5344CB8AC3E}">
         <p14:creationId xmlns:p14="http://schemas.microsoft.com/office/powerpoint/2010/main" val="2107568399"/>
-      </p:ext>
-    </p:extLst>
-  </p:cSld>
-  <p:clrMapOvr>
-    <a:masterClrMapping/>
-  </p:clrMapOvr>
-</p:sld>
-</file>
-
-<file path=ppt/slides/slide8.xml><?xml version="1.0" encoding="utf-8"?>
-<p:sld xmlns:a="http://schemas.openxmlformats.org/drawingml/2006/main" xmlns:r="http://schemas.openxmlformats.org/officeDocument/2006/relationships" xmlns:p="http://schemas.openxmlformats.org/presentationml/2006/main">
-  <p:cSld>
-    <p:spTree>
-      <p:nvGrpSpPr>
-        <p:cNvPr id="1" name="">
-          <a:extLst>
-            <a:ext uri="{FF2B5EF4-FFF2-40B4-BE49-F238E27FC236}">
-              <a16:creationId xmlns:a16="http://schemas.microsoft.com/office/drawing/2014/main" id="{A55ACDFA-305B-7ECB-4828-B48FE07A8CB9}"/>
-            </a:ext>
-          </a:extLst>
-        </p:cNvPr>
-        <p:cNvGrpSpPr/>
-        <p:nvPr/>
-      </p:nvGrpSpPr>
-      <p:grpSpPr>
-        <a:xfrm>
-          <a:off x="0" y="0"/>
-          <a:ext cx="0" cy="0"/>
-          <a:chOff x="0" y="0"/>
-          <a:chExt cx="0" cy="0"/>
-        </a:xfrm>
-      </p:grpSpPr>
-      <p:sp>
-        <p:nvSpPr>
-          <p:cNvPr id="2" name="TextBox 1">
-            <a:extLst>
-              <a:ext uri="{FF2B5EF4-FFF2-40B4-BE49-F238E27FC236}">
-                <a16:creationId xmlns:a16="http://schemas.microsoft.com/office/drawing/2014/main" id="{6F74869C-023D-0F34-2524-DABB293EBD4A}"/>
-              </a:ext>
-            </a:extLst>
-          </p:cNvPr>
-          <p:cNvSpPr txBox="1"/>
-          <p:nvPr/>
-        </p:nvSpPr>
-        <p:spPr>
-          <a:xfrm>
-            <a:off x="457201" y="274321"/>
-            <a:ext cx="10308770" cy="646331"/>
-          </a:xfrm>
-          <a:prstGeom prst="rect">
-            <a:avLst/>
-          </a:prstGeom>
-          <a:noFill/>
-        </p:spPr>
-        <p:txBody>
-          <a:bodyPr wrap="square">
-            <a:spAutoFit/>
-          </a:bodyPr>
-          <a:lstStyle/>
-          <a:p>
-            <a:pPr>
-              <a:defRPr sz="3600" b="1">
-                <a:solidFill>
-                  <a:srgbClr val="232F3E"/>
-                </a:solidFill>
-              </a:defRPr>
-            </a:pPr>
-            <a:r>
-              <a:rPr lang="en-US" sz="3600" b="1" dirty="0"/>
-              <a:t>In-Place Deployments</a:t>
-            </a:r>
-            <a:endParaRPr lang="en-IN" sz="3600" dirty="0"/>
-          </a:p>
-        </p:txBody>
-      </p:sp>
-      <p:sp>
-        <p:nvSpPr>
-          <p:cNvPr id="4" name="TextBox 3">
-            <a:extLst>
-              <a:ext uri="{FF2B5EF4-FFF2-40B4-BE49-F238E27FC236}">
-                <a16:creationId xmlns:a16="http://schemas.microsoft.com/office/drawing/2014/main" id="{9C4552FE-DA40-E74F-E4EA-B3BBEEA0A3E1}"/>
-              </a:ext>
-            </a:extLst>
-          </p:cNvPr>
-          <p:cNvSpPr txBox="1"/>
-          <p:nvPr/>
-        </p:nvSpPr>
-        <p:spPr>
-          <a:xfrm>
-            <a:off x="644646" y="1360712"/>
-            <a:ext cx="5320724" cy="5201424"/>
-          </a:xfrm>
-          <a:prstGeom prst="rect">
-            <a:avLst/>
-          </a:prstGeom>
-          <a:noFill/>
-        </p:spPr>
-        <p:txBody>
-          <a:bodyPr wrap="square">
-            <a:spAutoFit/>
-          </a:bodyPr>
-          <a:lstStyle/>
-          <a:p>
-            <a:pPr>
-              <a:spcBef>
-                <a:spcPts val="600"/>
-              </a:spcBef>
-            </a:pPr>
-            <a:r>
-              <a:rPr lang="en-US" sz="1400" b="1" dirty="0"/>
-              <a:t>Concept:</a:t>
-            </a:r>
-            <a:r>
-              <a:rPr lang="en-US" sz="1400" dirty="0"/>
-              <a:t> Restart application on existing infrastructure without replacing instances</a:t>
-            </a:r>
-          </a:p>
-          <a:p>
-            <a:pPr>
-              <a:spcBef>
-                <a:spcPts val="600"/>
-              </a:spcBef>
-            </a:pPr>
-            <a:endParaRPr lang="en-US" sz="1400" dirty="0"/>
-          </a:p>
-          <a:p>
-            <a:pPr>
-              <a:spcBef>
-                <a:spcPts val="600"/>
-              </a:spcBef>
-            </a:pPr>
-            <a:r>
-              <a:rPr lang="en-US" sz="1400" b="1" dirty="0"/>
-              <a:t>How it works:</a:t>
-            </a:r>
-            <a:endParaRPr lang="en-US" sz="1400" dirty="0"/>
-          </a:p>
-          <a:p>
-            <a:pPr marL="342900" indent="-342900">
-              <a:spcBef>
-                <a:spcPts val="600"/>
-              </a:spcBef>
-              <a:buFont typeface="+mj-lt"/>
-              <a:buAutoNum type="arabicPeriod"/>
-            </a:pPr>
-            <a:r>
-              <a:rPr lang="en-US" sz="1400" dirty="0"/>
-              <a:t>Pull new code to existing server</a:t>
-            </a:r>
-          </a:p>
-          <a:p>
-            <a:pPr marL="342900" indent="-342900">
-              <a:spcBef>
-                <a:spcPts val="600"/>
-              </a:spcBef>
-              <a:buFont typeface="+mj-lt"/>
-              <a:buAutoNum type="arabicPeriod"/>
-            </a:pPr>
-            <a:r>
-              <a:rPr lang="en-US" sz="1400" dirty="0"/>
-              <a:t>Restart application process</a:t>
-            </a:r>
-          </a:p>
-          <a:p>
-            <a:pPr marL="342900" indent="-342900">
-              <a:spcBef>
-                <a:spcPts val="600"/>
-              </a:spcBef>
-              <a:buFont typeface="+mj-lt"/>
-              <a:buAutoNum type="arabicPeriod"/>
-            </a:pPr>
-            <a:r>
-              <a:rPr lang="en-US" sz="1400" dirty="0"/>
-              <a:t>Same server continues running</a:t>
-            </a:r>
-          </a:p>
-          <a:p>
-            <a:pPr>
-              <a:spcBef>
-                <a:spcPts val="600"/>
-              </a:spcBef>
-            </a:pPr>
-            <a:endParaRPr lang="en-US" sz="1400" b="1" dirty="0"/>
-          </a:p>
-          <a:p>
-            <a:pPr>
-              <a:spcBef>
-                <a:spcPts val="600"/>
-              </a:spcBef>
-            </a:pPr>
-            <a:r>
-              <a:rPr lang="en-US" sz="1400" b="1" dirty="0"/>
-              <a:t>Pros:</a:t>
-            </a:r>
-            <a:endParaRPr lang="en-US" sz="1400" dirty="0"/>
-          </a:p>
-          <a:p>
-            <a:pPr marL="285750" indent="-285750">
-              <a:spcBef>
-                <a:spcPts val="600"/>
-              </a:spcBef>
-              <a:buFont typeface="Arial" panose="020B0604020202020204" pitchFamily="34" charset="0"/>
-              <a:buChar char="•"/>
-            </a:pPr>
-            <a:r>
-              <a:rPr lang="en-US" sz="1400" dirty="0"/>
-              <a:t>Fastest deployment</a:t>
-            </a:r>
-          </a:p>
-          <a:p>
-            <a:pPr marL="285750" indent="-285750">
-              <a:spcBef>
-                <a:spcPts val="600"/>
-              </a:spcBef>
-              <a:buFont typeface="Arial" panose="020B0604020202020204" pitchFamily="34" charset="0"/>
-              <a:buChar char="•"/>
-            </a:pPr>
-            <a:r>
-              <a:rPr lang="en-US" sz="1400" dirty="0"/>
-              <a:t>No new resources needed</a:t>
-            </a:r>
-          </a:p>
-          <a:p>
-            <a:pPr marL="285750" indent="-285750">
-              <a:spcBef>
-                <a:spcPts val="600"/>
-              </a:spcBef>
-              <a:buFont typeface="Arial" panose="020B0604020202020204" pitchFamily="34" charset="0"/>
-              <a:buChar char="•"/>
-            </a:pPr>
-            <a:r>
-              <a:rPr lang="en-US" sz="1400" dirty="0"/>
-              <a:t>Minimal infrastructure changes</a:t>
-            </a:r>
-          </a:p>
-          <a:p>
-            <a:pPr>
-              <a:spcBef>
-                <a:spcPts val="600"/>
-              </a:spcBef>
-            </a:pPr>
-            <a:endParaRPr lang="en-US" sz="1400" b="1" dirty="0"/>
-          </a:p>
-          <a:p>
-            <a:pPr>
-              <a:spcBef>
-                <a:spcPts val="600"/>
-              </a:spcBef>
-            </a:pPr>
-            <a:r>
-              <a:rPr lang="en-US" sz="1400" b="1" dirty="0"/>
-              <a:t>Cons:</a:t>
-            </a:r>
-            <a:endParaRPr lang="en-US" sz="1400" dirty="0"/>
-          </a:p>
-          <a:p>
-            <a:pPr marL="285750" indent="-285750">
-              <a:spcBef>
-                <a:spcPts val="600"/>
-              </a:spcBef>
-              <a:buFont typeface="Arial" panose="020B0604020202020204" pitchFamily="34" charset="0"/>
-              <a:buChar char="•"/>
-            </a:pPr>
-            <a:r>
-              <a:rPr lang="en-US" sz="1400" dirty="0"/>
-              <a:t>HIGH RISK - difficult rollback</a:t>
-            </a:r>
-          </a:p>
-          <a:p>
-            <a:pPr marL="285750" indent="-285750">
-              <a:spcBef>
-                <a:spcPts val="600"/>
-              </a:spcBef>
-              <a:buFont typeface="Arial" panose="020B0604020202020204" pitchFamily="34" charset="0"/>
-              <a:buChar char="•"/>
-            </a:pPr>
-            <a:r>
-              <a:rPr lang="en-US" sz="1400" dirty="0"/>
-              <a:t>Configuration drift accumulates</a:t>
-            </a:r>
-          </a:p>
-          <a:p>
-            <a:pPr marL="285750" indent="-285750">
-              <a:spcBef>
-                <a:spcPts val="600"/>
-              </a:spcBef>
-              <a:buFont typeface="Arial" panose="020B0604020202020204" pitchFamily="34" charset="0"/>
-              <a:buChar char="•"/>
-            </a:pPr>
-            <a:r>
-              <a:rPr lang="en-US" sz="1400" dirty="0"/>
-              <a:t>Application downtime during restart</a:t>
-            </a:r>
-          </a:p>
-          <a:p>
-            <a:pPr marL="285750" indent="-285750">
-              <a:spcBef>
-                <a:spcPts val="600"/>
-              </a:spcBef>
-              <a:buFont typeface="Arial" panose="020B0604020202020204" pitchFamily="34" charset="0"/>
-              <a:buChar char="•"/>
-            </a:pPr>
-            <a:r>
-              <a:rPr lang="en-US" sz="1400" dirty="0"/>
-              <a:t>All instances affected simultaneously</a:t>
-            </a:r>
-          </a:p>
-        </p:txBody>
-      </p:sp>
-      <p:sp>
-        <p:nvSpPr>
-          <p:cNvPr id="3" name="TextBox 2">
-            <a:extLst>
-              <a:ext uri="{FF2B5EF4-FFF2-40B4-BE49-F238E27FC236}">
-                <a16:creationId xmlns:a16="http://schemas.microsoft.com/office/drawing/2014/main" id="{E6EFF91B-A4F9-CFBE-5E31-F35B6D945AFC}"/>
-              </a:ext>
-            </a:extLst>
-          </p:cNvPr>
-          <p:cNvSpPr txBox="1"/>
-          <p:nvPr/>
-        </p:nvSpPr>
-        <p:spPr>
-          <a:xfrm>
-            <a:off x="6096000" y="1295399"/>
-            <a:ext cx="5636411" cy="1184940"/>
-          </a:xfrm>
-          <a:prstGeom prst="rect">
-            <a:avLst/>
-          </a:prstGeom>
-          <a:noFill/>
-        </p:spPr>
-        <p:txBody>
-          <a:bodyPr wrap="square" rtlCol="0">
-            <a:spAutoFit/>
-          </a:bodyPr>
-          <a:lstStyle/>
-          <a:p>
-            <a:pPr>
-              <a:spcBef>
-                <a:spcPts val="600"/>
-              </a:spcBef>
-            </a:pPr>
-            <a:r>
-              <a:rPr lang="en-US" sz="1400" b="1" dirty="0"/>
-              <a:t>Implementation:</a:t>
-            </a:r>
-            <a:endParaRPr lang="en-US" sz="1400" dirty="0"/>
-          </a:p>
-          <a:p>
-            <a:pPr marL="285750" indent="-285750">
-              <a:spcBef>
-                <a:spcPts val="600"/>
-              </a:spcBef>
-              <a:buFont typeface="Arial" panose="020B0604020202020204" pitchFamily="34" charset="0"/>
-              <a:buChar char="•"/>
-            </a:pPr>
-            <a:r>
-              <a:rPr lang="en-US" sz="1400" dirty="0"/>
-              <a:t>Download new code via git pull</a:t>
-            </a:r>
-          </a:p>
-          <a:p>
-            <a:pPr marL="285750" indent="-285750">
-              <a:spcBef>
-                <a:spcPts val="600"/>
-              </a:spcBef>
-              <a:buFont typeface="Arial" panose="020B0604020202020204" pitchFamily="34" charset="0"/>
-              <a:buChar char="•"/>
-            </a:pPr>
-            <a:r>
-              <a:rPr lang="en-US" sz="1400" dirty="0"/>
-              <a:t>Restart application (</a:t>
-            </a:r>
-            <a:r>
-              <a:rPr lang="en-US" sz="1400" dirty="0" err="1"/>
-              <a:t>systemctl</a:t>
-            </a:r>
-            <a:r>
-              <a:rPr lang="en-US" sz="1400" dirty="0"/>
-              <a:t> restart app)</a:t>
-            </a:r>
-          </a:p>
-          <a:p>
-            <a:pPr marL="285750" indent="-285750">
-              <a:spcBef>
-                <a:spcPts val="600"/>
-              </a:spcBef>
-              <a:buFont typeface="Arial" panose="020B0604020202020204" pitchFamily="34" charset="0"/>
-              <a:buChar char="•"/>
-            </a:pPr>
-            <a:r>
-              <a:rPr lang="en-US" sz="1400" dirty="0"/>
-              <a:t>Update running containers (docker restart)</a:t>
-            </a:r>
-          </a:p>
-        </p:txBody>
-      </p:sp>
-    </p:spTree>
-    <p:extLst>
-      <p:ext uri="{BB962C8B-B14F-4D97-AF65-F5344CB8AC3E}">
-        <p14:creationId xmlns:p14="http://schemas.microsoft.com/office/powerpoint/2010/main" val="3474312855"/>
       </p:ext>
     </p:extLst>
   </p:cSld>
